--- a/AzureFunctions.pptx
+++ b/AzureFunctions.pptx
@@ -1097,7 +1097,7 @@
           <a:p>
             <a:fld id="{7D10C09F-FCA1-48C8-B40D-42E1045D109E}" type="datetime8">
               <a:rPr lang="en-US" smtClean="0"/>
-              <a:t>7/11/2016 10:06 AM</a:t>
+              <a:t>7/11/2016 6:03 PM</a:t>
             </a:fld>
             <a:endParaRPr lang="en-US" dirty="0"/>
           </a:p>
@@ -1401,7 +1401,7 @@
                 <a:tabLst/>
                 <a:defRPr/>
               </a:pPr>
-              <a:t>7/11/2016 10:17 AM</a:t>
+              <a:t>7/11/2016 6:03 PM</a:t>
             </a:fld>
             <a:endParaRPr kumimoji="0" lang="en-US" sz="1200" b="0" i="0" u="none" strike="noStrike" kern="1200" cap="none" spc="0" normalizeH="0" baseline="0" noProof="0" dirty="0">
               <a:ln>
@@ -1638,7 +1638,7 @@
           <a:p>
             <a:fld id="{90EC29EE-A8AD-4CE0-9C0B-116E0D4D7533}" type="datetime8">
               <a:rPr lang="en-US" smtClean="0"/>
-              <a:t>7/11/2016 10:20 AM</a:t>
+              <a:t>7/11/2016 6:03 PM</a:t>
             </a:fld>
             <a:endParaRPr lang="en-US" dirty="0"/>
           </a:p>
@@ -17617,90 +17617,12 @@
 </file>
 
 <file path=customXml/item1.xml><?xml version="1.0" encoding="utf-8"?>
-<p:properties xmlns:p="http://schemas.microsoft.com/office/2006/metadata/properties" xmlns:xsi="http://www.w3.org/2001/XMLSchema-instance" xmlns:pc="http://schemas.microsoft.com/office/infopath/2007/PartnerControls">
-  <documentManagement>
-    <TaxCatchAll xmlns="230e9df3-be65-4c73-a93b-d1236ebd677e">
-      <Value>68</Value>
-      <Value>410</Value>
-      <Value>36</Value>
-      <Value>5</Value>
-    </TaxCatchAll>
-    <AverageRating xmlns="http://schemas.microsoft.com/sharepoint/v3" xsi:nil="true"/>
-    <LikesCount xmlns="http://schemas.microsoft.com/sharepoint/v3" xsi:nil="true"/>
-    <TaxKeywordTaxHTField xmlns="230e9df3-be65-4c73-a93b-d1236ebd677e">
-      <Terms xmlns="http://schemas.microsoft.com/office/infopath/2007/PartnerControls">
-        <TermInfo xmlns="http://schemas.microsoft.com/office/infopath/2007/PartnerControls">
-          <TermName xmlns="http://schemas.microsoft.com/office/infopath/2007/PartnerControls">TechReady 22</TermName>
-          <TermId xmlns="http://schemas.microsoft.com/office/infopath/2007/PartnerControls">88255ce9-3aea-405b-9a14-dea0b0a00506</TermId>
-        </TermInfo>
-      </Terms>
-    </TaxKeywordTaxHTField>
-    <Event_x0020_End_x0020_Date xmlns="12a172fe-0250-434a-85cf-03b10810c5e5">2016-02-05T08:00:00+00:00</Event_x0020_End_x0020_Date>
-    <Event_x0020_Start_x0020_Date xmlns="12a172fe-0250-434a-85cf-03b10810c5e5">2016-02-01T08:00:00+00:00</Event_x0020_Start_x0020_Date>
-    <MS_x0020_Speaker xmlns="12a172fe-0250-434a-85cf-03b10810c5e5">
-      <UserInfo>
-        <DisplayName/>
-        <AccountId xsi:nil="true"/>
-        <AccountType/>
-      </UserInfo>
-    </MS_x0020_Speaker>
-    <External_x0020_Speaker xmlns="12a172fe-0250-434a-85cf-03b10810c5e5">Torsten Grabs</External_x0020_Speaker>
-    <Session_x0020_Code xmlns="12a172fe-0250-434a-85cf-03b10810c5e5">DP324</Session_x0020_Code>
-    <Presentation_x0020_Date xmlns="12a172fe-0250-434a-85cf-03b10810c5e5">2016-02-02T08:00:00+00:00</Presentation_x0020_Date>
-    <MS_x0020_Content_x0020_Owner xmlns="12a172fe-0250-434a-85cf-03b10810c5e5">
-      <UserInfo>
-        <DisplayName/>
-        <AccountId xsi:nil="true"/>
-        <AccountType/>
-      </UserInfo>
-    </MS_x0020_Content_x0020_Owner>
-    <h9a868b2ee15488883f623ae5237ecae xmlns="12a172fe-0250-434a-85cf-03b10810c5e5">
-      <Terms xmlns="http://schemas.microsoft.com/office/infopath/2007/PartnerControls">
-        <TermInfo xmlns="http://schemas.microsoft.com/office/infopath/2007/PartnerControls">
-          <TermName xmlns="http://schemas.microsoft.com/office/infopath/2007/PartnerControls">Washington State Convention and Trade Center</TermName>
-          <TermId xmlns="http://schemas.microsoft.com/office/infopath/2007/PartnerControls">2ebf141d-f871-4cc9-bf08-f87f112ab464</TermId>
-        </TermInfo>
-      </Terms>
-    </h9a868b2ee15488883f623ae5237ecae>
-    <k62f7d35b80b40fb8c27985e50b34fcd xmlns="12a172fe-0250-434a-85cf-03b10810c5e5">
-      <Terms xmlns="http://schemas.microsoft.com/office/infopath/2007/PartnerControls">
-        <TermInfo xmlns="http://schemas.microsoft.com/office/infopath/2007/PartnerControls">
-          <TermName xmlns="http://schemas.microsoft.com/office/infopath/2007/PartnerControls">TechReady</TermName>
-          <TermId xmlns="http://schemas.microsoft.com/office/infopath/2007/PartnerControls">ebdf1b7d-d34f-4ccf-ac45-ca5a756d5c65</TermId>
-        </TermInfo>
-      </Terms>
-    </k62f7d35b80b40fb8c27985e50b34fcd>
-    <pfbfa50075a04958bd8757dc155d3e08 xmlns="12a172fe-0250-434a-85cf-03b10810c5e5">
-      <Terms xmlns="http://schemas.microsoft.com/office/infopath/2007/PartnerControls">
-        <TermInfo xmlns="http://schemas.microsoft.com/office/infopath/2007/PartnerControls">
-          <TermName xmlns="http://schemas.microsoft.com/office/infopath/2007/PartnerControls">Seattle</TermName>
-          <TermId xmlns="http://schemas.microsoft.com/office/infopath/2007/PartnerControls">54f46ed2-c77e-4a59-b182-a4171fdb0d11</TermId>
-        </TermInfo>
-      </Terms>
-    </pfbfa50075a04958bd8757dc155d3e08>
-    <o72fbe6ee5ae4131af0832c08ec51202 xmlns="12a172fe-0250-434a-85cf-03b10810c5e5">
-      <Terms xmlns="http://schemas.microsoft.com/office/infopath/2007/PartnerControls"/>
-    </o72fbe6ee5ae4131af0832c08ec51202>
-    <le8386062bd54e24a95c83b32ccbdb34 xmlns="12a172fe-0250-434a-85cf-03b10810c5e5">
-      <Terms xmlns="http://schemas.microsoft.com/office/infopath/2007/PartnerControls"/>
-    </le8386062bd54e24a95c83b32ccbdb34>
-    <j4d4d959795b4220a289a041ed046605 xmlns="12a172fe-0250-434a-85cf-03b10810c5e5">
-      <Terms xmlns="http://schemas.microsoft.com/office/infopath/2007/PartnerControls"/>
-    </j4d4d959795b4220a289a041ed046605>
-    <eb9cf3a3af7b473faa5c9c98148a90a4 xmlns="12a172fe-0250-434a-85cf-03b10810c5e5">
-      <Terms xmlns="http://schemas.microsoft.com/office/infopath/2007/PartnerControls"/>
-    </eb9cf3a3af7b473faa5c9c98148a90a4>
-    <SharedWithUsers xmlns="12a172fe-0250-434a-85cf-03b10810c5e5">
-      <UserInfo>
-        <DisplayName/>
-        <AccountId xsi:nil="true"/>
-        <AccountType/>
-      </UserInfo>
-    </SharedWithUsers>
-    <_ip_UnifiedCompliancePolicyUIAction xmlns="http://schemas.microsoft.com/sharepoint/v3" xsi:nil="true"/>
-    <_ip_UnifiedCompliancePolicyProperties xmlns="http://schemas.microsoft.com/sharepoint/v3" xsi:nil="true"/>
-  </documentManagement>
-</p:properties>
+<?mso-contentType ?>
+<FormTemplates xmlns="http://schemas.microsoft.com/sharepoint/v3/contenttype/forms">
+  <Display>DocumentLibraryForm</Display>
+  <Edit>DocumentLibraryForm</Edit>
+  <New>DocumentLibraryForm</New>
+</FormTemplates>
 </file>
 
 <file path=customXml/item2.xml><?xml version="1.0" encoding="utf-8"?>
@@ -18060,28 +17982,96 @@
 </file>
 
 <file path=customXml/item3.xml><?xml version="1.0" encoding="utf-8"?>
-<?mso-contentType ?>
-<FormTemplates xmlns="http://schemas.microsoft.com/sharepoint/v3/contenttype/forms">
-  <Display>DocumentLibraryForm</Display>
-  <Edit>DocumentLibraryForm</Edit>
-  <New>DocumentLibraryForm</New>
-</FormTemplates>
+<p:properties xmlns:p="http://schemas.microsoft.com/office/2006/metadata/properties" xmlns:xsi="http://www.w3.org/2001/XMLSchema-instance" xmlns:pc="http://schemas.microsoft.com/office/infopath/2007/PartnerControls">
+  <documentManagement>
+    <TaxCatchAll xmlns="230e9df3-be65-4c73-a93b-d1236ebd677e">
+      <Value>68</Value>
+      <Value>410</Value>
+      <Value>36</Value>
+      <Value>5</Value>
+    </TaxCatchAll>
+    <AverageRating xmlns="http://schemas.microsoft.com/sharepoint/v3" xsi:nil="true"/>
+    <LikesCount xmlns="http://schemas.microsoft.com/sharepoint/v3" xsi:nil="true"/>
+    <TaxKeywordTaxHTField xmlns="230e9df3-be65-4c73-a93b-d1236ebd677e">
+      <Terms xmlns="http://schemas.microsoft.com/office/infopath/2007/PartnerControls">
+        <TermInfo xmlns="http://schemas.microsoft.com/office/infopath/2007/PartnerControls">
+          <TermName xmlns="http://schemas.microsoft.com/office/infopath/2007/PartnerControls">TechReady 22</TermName>
+          <TermId xmlns="http://schemas.microsoft.com/office/infopath/2007/PartnerControls">88255ce9-3aea-405b-9a14-dea0b0a00506</TermId>
+        </TermInfo>
+      </Terms>
+    </TaxKeywordTaxHTField>
+    <Event_x0020_End_x0020_Date xmlns="12a172fe-0250-434a-85cf-03b10810c5e5">2016-02-05T08:00:00+00:00</Event_x0020_End_x0020_Date>
+    <Event_x0020_Start_x0020_Date xmlns="12a172fe-0250-434a-85cf-03b10810c5e5">2016-02-01T08:00:00+00:00</Event_x0020_Start_x0020_Date>
+    <MS_x0020_Speaker xmlns="12a172fe-0250-434a-85cf-03b10810c5e5">
+      <UserInfo>
+        <DisplayName/>
+        <AccountId xsi:nil="true"/>
+        <AccountType/>
+      </UserInfo>
+    </MS_x0020_Speaker>
+    <External_x0020_Speaker xmlns="12a172fe-0250-434a-85cf-03b10810c5e5">Torsten Grabs</External_x0020_Speaker>
+    <Session_x0020_Code xmlns="12a172fe-0250-434a-85cf-03b10810c5e5">DP324</Session_x0020_Code>
+    <Presentation_x0020_Date xmlns="12a172fe-0250-434a-85cf-03b10810c5e5">2016-02-02T08:00:00+00:00</Presentation_x0020_Date>
+    <MS_x0020_Content_x0020_Owner xmlns="12a172fe-0250-434a-85cf-03b10810c5e5">
+      <UserInfo>
+        <DisplayName/>
+        <AccountId xsi:nil="true"/>
+        <AccountType/>
+      </UserInfo>
+    </MS_x0020_Content_x0020_Owner>
+    <h9a868b2ee15488883f623ae5237ecae xmlns="12a172fe-0250-434a-85cf-03b10810c5e5">
+      <Terms xmlns="http://schemas.microsoft.com/office/infopath/2007/PartnerControls">
+        <TermInfo xmlns="http://schemas.microsoft.com/office/infopath/2007/PartnerControls">
+          <TermName xmlns="http://schemas.microsoft.com/office/infopath/2007/PartnerControls">Washington State Convention and Trade Center</TermName>
+          <TermId xmlns="http://schemas.microsoft.com/office/infopath/2007/PartnerControls">2ebf141d-f871-4cc9-bf08-f87f112ab464</TermId>
+        </TermInfo>
+      </Terms>
+    </h9a868b2ee15488883f623ae5237ecae>
+    <k62f7d35b80b40fb8c27985e50b34fcd xmlns="12a172fe-0250-434a-85cf-03b10810c5e5">
+      <Terms xmlns="http://schemas.microsoft.com/office/infopath/2007/PartnerControls">
+        <TermInfo xmlns="http://schemas.microsoft.com/office/infopath/2007/PartnerControls">
+          <TermName xmlns="http://schemas.microsoft.com/office/infopath/2007/PartnerControls">TechReady</TermName>
+          <TermId xmlns="http://schemas.microsoft.com/office/infopath/2007/PartnerControls">ebdf1b7d-d34f-4ccf-ac45-ca5a756d5c65</TermId>
+        </TermInfo>
+      </Terms>
+    </k62f7d35b80b40fb8c27985e50b34fcd>
+    <pfbfa50075a04958bd8757dc155d3e08 xmlns="12a172fe-0250-434a-85cf-03b10810c5e5">
+      <Terms xmlns="http://schemas.microsoft.com/office/infopath/2007/PartnerControls">
+        <TermInfo xmlns="http://schemas.microsoft.com/office/infopath/2007/PartnerControls">
+          <TermName xmlns="http://schemas.microsoft.com/office/infopath/2007/PartnerControls">Seattle</TermName>
+          <TermId xmlns="http://schemas.microsoft.com/office/infopath/2007/PartnerControls">54f46ed2-c77e-4a59-b182-a4171fdb0d11</TermId>
+        </TermInfo>
+      </Terms>
+    </pfbfa50075a04958bd8757dc155d3e08>
+    <o72fbe6ee5ae4131af0832c08ec51202 xmlns="12a172fe-0250-434a-85cf-03b10810c5e5">
+      <Terms xmlns="http://schemas.microsoft.com/office/infopath/2007/PartnerControls"/>
+    </o72fbe6ee5ae4131af0832c08ec51202>
+    <le8386062bd54e24a95c83b32ccbdb34 xmlns="12a172fe-0250-434a-85cf-03b10810c5e5">
+      <Terms xmlns="http://schemas.microsoft.com/office/infopath/2007/PartnerControls"/>
+    </le8386062bd54e24a95c83b32ccbdb34>
+    <j4d4d959795b4220a289a041ed046605 xmlns="12a172fe-0250-434a-85cf-03b10810c5e5">
+      <Terms xmlns="http://schemas.microsoft.com/office/infopath/2007/PartnerControls"/>
+    </j4d4d959795b4220a289a041ed046605>
+    <eb9cf3a3af7b473faa5c9c98148a90a4 xmlns="12a172fe-0250-434a-85cf-03b10810c5e5">
+      <Terms xmlns="http://schemas.microsoft.com/office/infopath/2007/PartnerControls"/>
+    </eb9cf3a3af7b473faa5c9c98148a90a4>
+    <SharedWithUsers xmlns="12a172fe-0250-434a-85cf-03b10810c5e5">
+      <UserInfo>
+        <DisplayName/>
+        <AccountId xsi:nil="true"/>
+        <AccountType/>
+      </UserInfo>
+    </SharedWithUsers>
+    <_ip_UnifiedCompliancePolicyUIAction xmlns="http://schemas.microsoft.com/sharepoint/v3" xsi:nil="true"/>
+    <_ip_UnifiedCompliancePolicyProperties xmlns="http://schemas.microsoft.com/sharepoint/v3" xsi:nil="true"/>
+  </documentManagement>
+</p:properties>
 </file>
 
 <file path=customXml/itemProps1.xml><?xml version="1.0" encoding="utf-8"?>
-<ds:datastoreItem xmlns:ds="http://schemas.openxmlformats.org/officeDocument/2006/customXml" ds:itemID="{F990F116-B58F-4255-B05B-DA3808E0E5C6}">
+<ds:datastoreItem xmlns:ds="http://schemas.openxmlformats.org/officeDocument/2006/customXml" ds:itemID="{758FDAC0-319D-4A54-8D8E-1D42CB1F8004}">
   <ds:schemaRefs>
-    <ds:schemaRef ds:uri="12a172fe-0250-434a-85cf-03b10810c5e5"/>
-    <ds:schemaRef ds:uri="http://schemas.microsoft.com/sharepoint/v3"/>
-    <ds:schemaRef ds:uri="230e9df3-be65-4c73-a93b-d1236ebd677e"/>
-    <ds:schemaRef ds:uri="http://purl.org/dc/terms/"/>
-    <ds:schemaRef ds:uri="http://schemas.openxmlformats.org/package/2006/metadata/core-properties"/>
-    <ds:schemaRef ds:uri="http://schemas.microsoft.com/office/2006/documentManagement/types"/>
-    <ds:schemaRef ds:uri="http://schemas.microsoft.com/office/infopath/2007/PartnerControls"/>
-    <ds:schemaRef ds:uri="http://purl.org/dc/elements/1.1/"/>
-    <ds:schemaRef ds:uri="http://schemas.microsoft.com/office/2006/metadata/properties"/>
-    <ds:schemaRef ds:uri="http://www.w3.org/XML/1998/namespace"/>
-    <ds:schemaRef ds:uri="http://purl.org/dc/dcmitype/"/>
+    <ds:schemaRef ds:uri="http://schemas.microsoft.com/sharepoint/v3/contenttype/forms"/>
   </ds:schemaRefs>
 </ds:datastoreItem>
 </file>
@@ -18107,9 +18097,19 @@
 </file>
 
 <file path=customXml/itemProps3.xml><?xml version="1.0" encoding="utf-8"?>
-<ds:datastoreItem xmlns:ds="http://schemas.openxmlformats.org/officeDocument/2006/customXml" ds:itemID="{758FDAC0-319D-4A54-8D8E-1D42CB1F8004}">
+<ds:datastoreItem xmlns:ds="http://schemas.openxmlformats.org/officeDocument/2006/customXml" ds:itemID="{F990F116-B58F-4255-B05B-DA3808E0E5C6}">
   <ds:schemaRefs>
-    <ds:schemaRef ds:uri="http://schemas.microsoft.com/sharepoint/v3/contenttype/forms"/>
+    <ds:schemaRef ds:uri="12a172fe-0250-434a-85cf-03b10810c5e5"/>
+    <ds:schemaRef ds:uri="http://schemas.microsoft.com/sharepoint/v3"/>
+    <ds:schemaRef ds:uri="230e9df3-be65-4c73-a93b-d1236ebd677e"/>
+    <ds:schemaRef ds:uri="http://purl.org/dc/terms/"/>
+    <ds:schemaRef ds:uri="http://schemas.openxmlformats.org/package/2006/metadata/core-properties"/>
+    <ds:schemaRef ds:uri="http://schemas.microsoft.com/office/2006/documentManagement/types"/>
+    <ds:schemaRef ds:uri="http://schemas.microsoft.com/office/infopath/2007/PartnerControls"/>
+    <ds:schemaRef ds:uri="http://purl.org/dc/elements/1.1/"/>
+    <ds:schemaRef ds:uri="http://schemas.microsoft.com/office/2006/metadata/properties"/>
+    <ds:schemaRef ds:uri="http://www.w3.org/XML/1998/namespace"/>
+    <ds:schemaRef ds:uri="http://purl.org/dc/dcmitype/"/>
   </ds:schemaRefs>
 </ds:datastoreItem>
 </file>